--- a/FINAL_PROJECT_Mazzotti.pptx
+++ b/FINAL_PROJECT_Mazzotti.pptx
@@ -304,7 +304,7 @@
               <a:pPr>
                 <a:defRPr/>
               </a:pPr>
-              <a:t>12/2/2019</a:t>
+              <a:t>12/3/2019</a:t>
             </a:fld>
             <a:endParaRPr lang="en-US"/>
           </a:p>
@@ -5375,7 +5375,7 @@
               <a:pPr>
                 <a:defRPr/>
               </a:pPr>
-              <a:t>12/2/2019</a:t>
+              <a:t>12/3/2019</a:t>
             </a:fld>
             <a:endParaRPr lang="en-US"/>
           </a:p>
@@ -5572,7 +5572,7 @@
               <a:pPr>
                 <a:defRPr/>
               </a:pPr>
-              <a:t>12/2/2019</a:t>
+              <a:t>12/3/2019</a:t>
             </a:fld>
             <a:endParaRPr lang="en-US"/>
           </a:p>
@@ -5855,7 +5855,7 @@
               <a:pPr>
                 <a:defRPr/>
               </a:pPr>
-              <a:t>12/2/2019</a:t>
+              <a:t>12/3/2019</a:t>
             </a:fld>
             <a:endParaRPr lang="en-US"/>
           </a:p>
@@ -6052,7 +6052,7 @@
               <a:pPr>
                 <a:defRPr/>
               </a:pPr>
-              <a:t>12/2/2019</a:t>
+              <a:t>12/3/2019</a:t>
             </a:fld>
             <a:endParaRPr lang="en-US"/>
           </a:p>
@@ -6450,7 +6450,7 @@
               <a:pPr>
                 <a:defRPr/>
               </a:pPr>
-              <a:t>12/2/2019</a:t>
+              <a:t>12/3/2019</a:t>
             </a:fld>
             <a:endParaRPr lang="en-US"/>
           </a:p>
@@ -6714,7 +6714,7 @@
               <a:pPr>
                 <a:defRPr/>
               </a:pPr>
-              <a:t>12/2/2019</a:t>
+              <a:t>12/3/2019</a:t>
             </a:fld>
             <a:endParaRPr lang="en-US"/>
           </a:p>
@@ -7120,7 +7120,7 @@
               <a:pPr>
                 <a:defRPr/>
               </a:pPr>
-              <a:t>12/2/2019</a:t>
+              <a:t>12/3/2019</a:t>
             </a:fld>
             <a:endParaRPr lang="en-US"/>
           </a:p>
@@ -7265,7 +7265,7 @@
               <a:pPr>
                 <a:defRPr/>
               </a:pPr>
-              <a:t>12/2/2019</a:t>
+              <a:t>12/3/2019</a:t>
             </a:fld>
             <a:endParaRPr lang="en-US"/>
           </a:p>
@@ -7463,7 +7463,7 @@
               <a:pPr>
                 <a:defRPr/>
               </a:pPr>
-              <a:t>12/2/2019</a:t>
+              <a:t>12/3/2019</a:t>
             </a:fld>
             <a:endParaRPr lang="en-US"/>
           </a:p>
@@ -7834,7 +7834,7 @@
               <a:pPr>
                 <a:defRPr/>
               </a:pPr>
-              <a:t>12/2/2019</a:t>
+              <a:t>12/3/2019</a:t>
             </a:fld>
             <a:endParaRPr lang="en-US"/>
           </a:p>
@@ -8233,7 +8233,7 @@
               <a:pPr>
                 <a:defRPr/>
               </a:pPr>
-              <a:t>12/2/2019</a:t>
+              <a:t>12/3/2019</a:t>
             </a:fld>
             <a:endParaRPr lang="en-US"/>
           </a:p>
@@ -8577,7 +8577,7 @@
               <a:pPr>
                 <a:defRPr/>
               </a:pPr>
-              <a:t>12/2/2019</a:t>
+              <a:t>12/3/2019</a:t>
             </a:fld>
             <a:endParaRPr lang="en-US"/>
           </a:p>
@@ -9813,9 +9813,6 @@
               </a:rPr>
               <a:t>BMIN503/EPID600 Final Project</a:t>
             </a:r>
-            <a:endParaRPr lang="en-US" altLang="en-US" sz="2400" dirty="0">
-              <a:ea typeface="ＭＳ Ｐゴシック" panose="020B0600070205080204" pitchFamily="34" charset="-128"/>
-            </a:endParaRPr>
           </a:p>
         </p:txBody>
       </p:sp>
@@ -9922,11 +9919,6 @@
               </a:rPr>
               <a:t>There is a higher frequency of tweets reporting sleep complaints after the change from DST to ST</a:t>
             </a:r>
-            <a:endParaRPr lang="en-US" altLang="en-US" sz="2400" dirty="0" smtClean="0">
-              <a:solidFill>
-                <a:schemeClr val="tx1"/>
-              </a:solidFill>
-            </a:endParaRPr>
           </a:p>
           <a:p>
             <a:pPr lvl="1">
@@ -10635,7 +10627,7 @@
                   <a:schemeClr val="tx1"/>
                 </a:solidFill>
               </a:rPr>
-              <a:t>Future Directions</a:t>
+              <a:t>Conclusions</a:t>
             </a:r>
             <a:endParaRPr lang="en-US" sz="3600" dirty="0">
               <a:solidFill>
@@ -10658,7 +10650,7 @@
         <p:spPr>
           <a:xfrm>
             <a:off x="609600" y="1295400"/>
-            <a:ext cx="10134600" cy="4648200"/>
+            <a:ext cx="10134600" cy="2209800"/>
           </a:xfrm>
         </p:spPr>
         <p:txBody>
@@ -10675,7 +10667,7 @@
                   <a:schemeClr val="tx1"/>
                 </a:solidFill>
               </a:rPr>
-              <a:t>Increase the number of manual annotation instances</a:t>
+              <a:t>Random forests can be used with text-derived features to classify tweets reporting sleep complaints</a:t>
             </a:r>
           </a:p>
           <a:p>
@@ -10684,28 +10676,12 @@
               <a:buChar char="•"/>
             </a:pPr>
             <a:r>
-              <a:rPr lang="en-US" altLang="en-US" sz="2400" dirty="0" smtClean="0">
+              <a:rPr lang="pt-BR" altLang="en-US" sz="2400" dirty="0" smtClean="0">
                 <a:solidFill>
                   <a:schemeClr val="tx1"/>
                 </a:solidFill>
               </a:rPr>
-              <a:t>Explore changes from ST to DST (March 8</a:t>
-            </a:r>
-            <a:r>
-              <a:rPr lang="en-US" altLang="en-US" sz="2400" baseline="30000" dirty="0" smtClean="0">
-                <a:solidFill>
-                  <a:schemeClr val="tx1"/>
-                </a:solidFill>
-              </a:rPr>
-              <a:t>th</a:t>
-            </a:r>
-            <a:r>
-              <a:rPr lang="en-US" altLang="en-US" sz="2400" dirty="0" smtClean="0">
-                <a:solidFill>
-                  <a:schemeClr val="tx1"/>
-                </a:solidFill>
-              </a:rPr>
-              <a:t> 2020)</a:t>
+              <a:t>Tweets reporting sleep complaints are more prevalent at night time</a:t>
             </a:r>
           </a:p>
           <a:p>
@@ -10714,26 +10690,12 @@
               <a:buChar char="•"/>
             </a:pPr>
             <a:r>
-              <a:rPr lang="en-US" altLang="en-US" sz="2400" dirty="0" smtClean="0">
+              <a:rPr lang="pt-BR" altLang="en-US" sz="2400" dirty="0" smtClean="0">
                 <a:solidFill>
                   <a:schemeClr val="tx1"/>
                 </a:solidFill>
               </a:rPr>
-              <a:t>Quantitative measures of latitude and longitude</a:t>
-            </a:r>
-          </a:p>
-          <a:p>
-            <a:pPr lvl="1">
-              <a:buFont typeface="Arial" panose="020B0604020202020204" pitchFamily="34" charset="0"/>
-              <a:buChar char="•"/>
-            </a:pPr>
-            <a:r>
-              <a:rPr lang="en-US" altLang="en-US" sz="2400" dirty="0" smtClean="0">
-                <a:solidFill>
-                  <a:schemeClr val="tx1"/>
-                </a:solidFill>
-              </a:rPr>
-              <a:t>Distances from time zone boundaries</a:t>
+              <a:t>A change from DST to ST was associated with increased prevalence of tweets reporting sleep complaints</a:t>
             </a:r>
             <a:endParaRPr lang="en-US" altLang="en-US" sz="2400" dirty="0" smtClean="0">
               <a:solidFill>
@@ -10741,30 +10703,554 @@
               </a:solidFill>
             </a:endParaRPr>
           </a:p>
-          <a:p>
-            <a:pPr lvl="1">
-              <a:buFont typeface="Arial" panose="020B0604020202020204" pitchFamily="34" charset="0"/>
-              <a:buChar char="•"/>
+        </p:txBody>
+      </p:sp>
+      <p:sp>
+        <p:nvSpPr>
+          <p:cNvPr id="4" name="Title 1"/>
+          <p:cNvSpPr txBox="1">
+            <a:spLocks/>
+          </p:cNvSpPr>
+          <p:nvPr/>
+        </p:nvSpPr>
+        <p:spPr>
+          <a:xfrm>
+            <a:off x="304800" y="3352800"/>
+            <a:ext cx="7543800" cy="584200"/>
+          </a:xfrm>
+          <a:prstGeom prst="rect">
+            <a:avLst/>
+          </a:prstGeom>
+        </p:spPr>
+        <p:txBody>
+          <a:bodyPr vert="horz" lIns="91440" tIns="45720" rIns="91440" bIns="45720" rtlCol="0" anchor="b">
+            <a:normAutofit/>
+          </a:bodyPr>
+          <a:lstStyle>
+            <a:lvl1pPr algn="l" rtl="0" eaLnBrk="0" fontAlgn="base" hangingPunct="0">
+              <a:lnSpc>
+                <a:spcPct val="85000"/>
+              </a:lnSpc>
+              <a:spcBef>
+                <a:spcPct val="0"/>
+              </a:spcBef>
+              <a:spcAft>
+                <a:spcPct val="0"/>
+              </a:spcAft>
+              <a:defRPr sz="4800" kern="1200" spc="-50">
+                <a:solidFill>
+                  <a:srgbClr val="404040"/>
+                </a:solidFill>
+                <a:latin typeface="+mj-lt"/>
+                <a:ea typeface="+mj-ea"/>
+                <a:cs typeface="+mj-cs"/>
+              </a:defRPr>
+            </a:lvl1pPr>
+            <a:lvl2pPr algn="l" rtl="0" eaLnBrk="0" fontAlgn="base" hangingPunct="0">
+              <a:lnSpc>
+                <a:spcPct val="85000"/>
+              </a:lnSpc>
+              <a:spcBef>
+                <a:spcPct val="0"/>
+              </a:spcBef>
+              <a:spcAft>
+                <a:spcPct val="0"/>
+              </a:spcAft>
+              <a:defRPr sz="4800">
+                <a:solidFill>
+                  <a:srgbClr val="404040"/>
+                </a:solidFill>
+                <a:latin typeface="Calibri Light" panose="020F0302020204030204" pitchFamily="34" charset="0"/>
+              </a:defRPr>
+            </a:lvl2pPr>
+            <a:lvl3pPr algn="l" rtl="0" eaLnBrk="0" fontAlgn="base" hangingPunct="0">
+              <a:lnSpc>
+                <a:spcPct val="85000"/>
+              </a:lnSpc>
+              <a:spcBef>
+                <a:spcPct val="0"/>
+              </a:spcBef>
+              <a:spcAft>
+                <a:spcPct val="0"/>
+              </a:spcAft>
+              <a:defRPr sz="4800">
+                <a:solidFill>
+                  <a:srgbClr val="404040"/>
+                </a:solidFill>
+                <a:latin typeface="Calibri Light" panose="020F0302020204030204" pitchFamily="34" charset="0"/>
+              </a:defRPr>
+            </a:lvl3pPr>
+            <a:lvl4pPr algn="l" rtl="0" eaLnBrk="0" fontAlgn="base" hangingPunct="0">
+              <a:lnSpc>
+                <a:spcPct val="85000"/>
+              </a:lnSpc>
+              <a:spcBef>
+                <a:spcPct val="0"/>
+              </a:spcBef>
+              <a:spcAft>
+                <a:spcPct val="0"/>
+              </a:spcAft>
+              <a:defRPr sz="4800">
+                <a:solidFill>
+                  <a:srgbClr val="404040"/>
+                </a:solidFill>
+                <a:latin typeface="Calibri Light" panose="020F0302020204030204" pitchFamily="34" charset="0"/>
+              </a:defRPr>
+            </a:lvl4pPr>
+            <a:lvl5pPr algn="l" rtl="0" eaLnBrk="0" fontAlgn="base" hangingPunct="0">
+              <a:lnSpc>
+                <a:spcPct val="85000"/>
+              </a:lnSpc>
+              <a:spcBef>
+                <a:spcPct val="0"/>
+              </a:spcBef>
+              <a:spcAft>
+                <a:spcPct val="0"/>
+              </a:spcAft>
+              <a:defRPr sz="4800">
+                <a:solidFill>
+                  <a:srgbClr val="404040"/>
+                </a:solidFill>
+                <a:latin typeface="Calibri Light" panose="020F0302020204030204" pitchFamily="34" charset="0"/>
+              </a:defRPr>
+            </a:lvl5pPr>
+            <a:lvl6pPr marL="457200" algn="l" rtl="0" fontAlgn="base">
+              <a:lnSpc>
+                <a:spcPct val="85000"/>
+              </a:lnSpc>
+              <a:spcBef>
+                <a:spcPct val="0"/>
+              </a:spcBef>
+              <a:spcAft>
+                <a:spcPct val="0"/>
+              </a:spcAft>
+              <a:defRPr sz="4800">
+                <a:solidFill>
+                  <a:srgbClr val="404040"/>
+                </a:solidFill>
+                <a:latin typeface="Calibri Light" panose="020F0302020204030204" pitchFamily="34" charset="0"/>
+              </a:defRPr>
+            </a:lvl6pPr>
+            <a:lvl7pPr marL="914400" algn="l" rtl="0" fontAlgn="base">
+              <a:lnSpc>
+                <a:spcPct val="85000"/>
+              </a:lnSpc>
+              <a:spcBef>
+                <a:spcPct val="0"/>
+              </a:spcBef>
+              <a:spcAft>
+                <a:spcPct val="0"/>
+              </a:spcAft>
+              <a:defRPr sz="4800">
+                <a:solidFill>
+                  <a:srgbClr val="404040"/>
+                </a:solidFill>
+                <a:latin typeface="Calibri Light" panose="020F0302020204030204" pitchFamily="34" charset="0"/>
+              </a:defRPr>
+            </a:lvl7pPr>
+            <a:lvl8pPr marL="1371600" algn="l" rtl="0" fontAlgn="base">
+              <a:lnSpc>
+                <a:spcPct val="85000"/>
+              </a:lnSpc>
+              <a:spcBef>
+                <a:spcPct val="0"/>
+              </a:spcBef>
+              <a:spcAft>
+                <a:spcPct val="0"/>
+              </a:spcAft>
+              <a:defRPr sz="4800">
+                <a:solidFill>
+                  <a:srgbClr val="404040"/>
+                </a:solidFill>
+                <a:latin typeface="Calibri Light" panose="020F0302020204030204" pitchFamily="34" charset="0"/>
+              </a:defRPr>
+            </a:lvl8pPr>
+            <a:lvl9pPr marL="1828800" algn="l" rtl="0" fontAlgn="base">
+              <a:lnSpc>
+                <a:spcPct val="85000"/>
+              </a:lnSpc>
+              <a:spcBef>
+                <a:spcPct val="0"/>
+              </a:spcBef>
+              <a:spcAft>
+                <a:spcPct val="0"/>
+              </a:spcAft>
+              <a:defRPr sz="4800">
+                <a:solidFill>
+                  <a:srgbClr val="404040"/>
+                </a:solidFill>
+                <a:latin typeface="Calibri Light" panose="020F0302020204030204" pitchFamily="34" charset="0"/>
+              </a:defRPr>
+            </a:lvl9pPr>
+          </a:lstStyle>
+          <a:p>
+            <a:pPr defTabSz="914400">
+              <a:defRPr/>
             </a:pPr>
             <a:r>
-              <a:rPr lang="en-US" altLang="en-US" sz="2400" dirty="0" smtClean="0">
+              <a:rPr lang="pt-BR" sz="3600" smtClean="0">
                 <a:solidFill>
                   <a:schemeClr val="tx1"/>
                 </a:solidFill>
               </a:rPr>
-              <a:t>Look at data from other countries and languages</a:t>
-            </a:r>
-            <a:endParaRPr lang="en-US" altLang="en-US" sz="2400" dirty="0" smtClean="0">
+              <a:t>Future Directions</a:t>
+            </a:r>
+            <a:endParaRPr lang="en-US" sz="3600" dirty="0">
               <a:solidFill>
                 <a:schemeClr val="tx1"/>
               </a:solidFill>
             </a:endParaRPr>
           </a:p>
-          <a:p>
-            <a:pPr lvl="1">
+        </p:txBody>
+      </p:sp>
+      <p:sp>
+        <p:nvSpPr>
+          <p:cNvPr id="5" name="Content Placeholder 2"/>
+          <p:cNvSpPr txBox="1">
+            <a:spLocks/>
+          </p:cNvSpPr>
+          <p:nvPr/>
+        </p:nvSpPr>
+        <p:spPr bwMode="auto">
+          <a:xfrm>
+            <a:off x="533400" y="4191000"/>
+            <a:ext cx="10134600" cy="2209800"/>
+          </a:xfrm>
+          <a:prstGeom prst="rect">
+            <a:avLst/>
+          </a:prstGeom>
+          <a:noFill/>
+          <a:ln>
+            <a:noFill/>
+          </a:ln>
+          <a:extLst>
+            <a:ext uri="{909E8E84-426E-40DD-AFC4-6F175D3DCCD1}">
+              <a14:hiddenFill xmlns:a14="http://schemas.microsoft.com/office/drawing/2010/main">
+                <a:solidFill>
+                  <a:srgbClr val="FFFFFF"/>
+                </a:solidFill>
+              </a14:hiddenFill>
+            </a:ext>
+            <a:ext uri="{91240B29-F687-4F45-9708-019B960494DF}">
+              <a14:hiddenLine xmlns:a14="http://schemas.microsoft.com/office/drawing/2010/main" w="9525">
+                <a:solidFill>
+                  <a:srgbClr val="000000"/>
+                </a:solidFill>
+                <a:miter lim="800000"/>
+                <a:headEnd/>
+                <a:tailEnd/>
+              </a14:hiddenLine>
+            </a:ext>
+          </a:extLst>
+        </p:spPr>
+        <p:txBody>
+          <a:bodyPr vert="horz" wrap="square" lIns="0" tIns="45720" rIns="0" bIns="45720" numCol="1" anchor="t" anchorCtr="0" compatLnSpc="1">
+            <a:prstTxWarp prst="textNoShape">
+              <a:avLst/>
+            </a:prstTxWarp>
+          </a:bodyPr>
+          <a:lstStyle>
+            <a:lvl1pPr marL="90488" indent="-90488" algn="l" rtl="0" eaLnBrk="0" fontAlgn="base" hangingPunct="0">
+              <a:lnSpc>
+                <a:spcPct val="90000"/>
+              </a:lnSpc>
+              <a:spcBef>
+                <a:spcPts val="1200"/>
+              </a:spcBef>
+              <a:spcAft>
+                <a:spcPts val="200"/>
+              </a:spcAft>
+              <a:buClr>
+                <a:schemeClr val="accent1"/>
+              </a:buClr>
+              <a:buSzPct val="100000"/>
+              <a:buFont typeface="Calibri" panose="020F0502020204030204" pitchFamily="34" charset="0"/>
+              <a:buChar char=" "/>
+              <a:defRPr sz="2000" kern="1200">
+                <a:solidFill>
+                  <a:srgbClr val="404040"/>
+                </a:solidFill>
+                <a:latin typeface="+mn-lt"/>
+                <a:ea typeface="+mn-ea"/>
+                <a:cs typeface="+mn-cs"/>
+              </a:defRPr>
+            </a:lvl1pPr>
+            <a:lvl2pPr marL="382588" indent="-182563" algn="l" rtl="0" eaLnBrk="0" fontAlgn="base" hangingPunct="0">
+              <a:lnSpc>
+                <a:spcPct val="90000"/>
+              </a:lnSpc>
+              <a:spcBef>
+                <a:spcPts val="200"/>
+              </a:spcBef>
+              <a:spcAft>
+                <a:spcPts val="400"/>
+              </a:spcAft>
+              <a:buClr>
+                <a:schemeClr val="accent1"/>
+              </a:buClr>
+              <a:buFont typeface="Calibri" panose="020F0502020204030204" pitchFamily="34" charset="0"/>
+              <a:buChar char="◦"/>
+              <a:defRPr kern="1200">
+                <a:solidFill>
+                  <a:srgbClr val="404040"/>
+                </a:solidFill>
+                <a:latin typeface="+mn-lt"/>
+                <a:ea typeface="+mn-ea"/>
+                <a:cs typeface="+mn-cs"/>
+              </a:defRPr>
+            </a:lvl2pPr>
+            <a:lvl3pPr marL="566738" indent="-182563" algn="l" rtl="0" eaLnBrk="0" fontAlgn="base" hangingPunct="0">
+              <a:lnSpc>
+                <a:spcPct val="90000"/>
+              </a:lnSpc>
+              <a:spcBef>
+                <a:spcPts val="200"/>
+              </a:spcBef>
+              <a:spcAft>
+                <a:spcPts val="400"/>
+              </a:spcAft>
+              <a:buClr>
+                <a:schemeClr val="accent1"/>
+              </a:buClr>
+              <a:buFont typeface="Calibri" panose="020F0502020204030204" pitchFamily="34" charset="0"/>
+              <a:buChar char="◦"/>
+              <a:defRPr sz="1400" kern="1200">
+                <a:solidFill>
+                  <a:srgbClr val="404040"/>
+                </a:solidFill>
+                <a:latin typeface="+mn-lt"/>
+                <a:ea typeface="+mn-ea"/>
+                <a:cs typeface="+mn-cs"/>
+              </a:defRPr>
+            </a:lvl3pPr>
+            <a:lvl4pPr marL="749300" indent="-182563" algn="l" rtl="0" eaLnBrk="0" fontAlgn="base" hangingPunct="0">
+              <a:lnSpc>
+                <a:spcPct val="90000"/>
+              </a:lnSpc>
+              <a:spcBef>
+                <a:spcPts val="200"/>
+              </a:spcBef>
+              <a:spcAft>
+                <a:spcPts val="400"/>
+              </a:spcAft>
+              <a:buClr>
+                <a:schemeClr val="accent1"/>
+              </a:buClr>
+              <a:buFont typeface="Calibri" panose="020F0502020204030204" pitchFamily="34" charset="0"/>
+              <a:buChar char="◦"/>
+              <a:defRPr sz="1400" kern="1200">
+                <a:solidFill>
+                  <a:srgbClr val="404040"/>
+                </a:solidFill>
+                <a:latin typeface="+mn-lt"/>
+                <a:ea typeface="+mn-ea"/>
+                <a:cs typeface="+mn-cs"/>
+              </a:defRPr>
+            </a:lvl4pPr>
+            <a:lvl5pPr marL="931863" indent="-182563" algn="l" rtl="0" eaLnBrk="0" fontAlgn="base" hangingPunct="0">
+              <a:lnSpc>
+                <a:spcPct val="90000"/>
+              </a:lnSpc>
+              <a:spcBef>
+                <a:spcPts val="200"/>
+              </a:spcBef>
+              <a:spcAft>
+                <a:spcPts val="400"/>
+              </a:spcAft>
+              <a:buClr>
+                <a:schemeClr val="accent1"/>
+              </a:buClr>
+              <a:buFont typeface="Calibri" panose="020F0502020204030204" pitchFamily="34" charset="0"/>
+              <a:buChar char="◦"/>
+              <a:defRPr sz="1400" kern="1200">
+                <a:solidFill>
+                  <a:srgbClr val="404040"/>
+                </a:solidFill>
+                <a:latin typeface="+mn-lt"/>
+                <a:ea typeface="+mn-ea"/>
+                <a:cs typeface="+mn-cs"/>
+              </a:defRPr>
+            </a:lvl5pPr>
+            <a:lvl6pPr marL="1100000" indent="-228600" algn="l" defTabSz="914400" rtl="0" eaLnBrk="1" latinLnBrk="0" hangingPunct="1">
+              <a:lnSpc>
+                <a:spcPct val="90000"/>
+              </a:lnSpc>
+              <a:spcBef>
+                <a:spcPts val="200"/>
+              </a:spcBef>
+              <a:spcAft>
+                <a:spcPts val="400"/>
+              </a:spcAft>
+              <a:buClr>
+                <a:schemeClr val="accent1"/>
+              </a:buClr>
+              <a:buFont typeface="Calibri" pitchFamily="34" charset="0"/>
+              <a:buChar char="◦"/>
+              <a:defRPr sz="1400" kern="1200">
+                <a:solidFill>
+                  <a:schemeClr val="tx1">
+                    <a:lumMod val="75000"/>
+                    <a:lumOff val="25000"/>
+                  </a:schemeClr>
+                </a:solidFill>
+                <a:latin typeface="+mn-lt"/>
+                <a:ea typeface="+mn-ea"/>
+                <a:cs typeface="+mn-cs"/>
+              </a:defRPr>
+            </a:lvl6pPr>
+            <a:lvl7pPr marL="1300000" indent="-228600" algn="l" defTabSz="914400" rtl="0" eaLnBrk="1" latinLnBrk="0" hangingPunct="1">
+              <a:lnSpc>
+                <a:spcPct val="90000"/>
+              </a:lnSpc>
+              <a:spcBef>
+                <a:spcPts val="200"/>
+              </a:spcBef>
+              <a:spcAft>
+                <a:spcPts val="400"/>
+              </a:spcAft>
+              <a:buClr>
+                <a:schemeClr val="accent1"/>
+              </a:buClr>
+              <a:buFont typeface="Calibri" pitchFamily="34" charset="0"/>
+              <a:buChar char="◦"/>
+              <a:defRPr sz="1400" kern="1200">
+                <a:solidFill>
+                  <a:schemeClr val="tx1">
+                    <a:lumMod val="75000"/>
+                    <a:lumOff val="25000"/>
+                  </a:schemeClr>
+                </a:solidFill>
+                <a:latin typeface="+mn-lt"/>
+                <a:ea typeface="+mn-ea"/>
+                <a:cs typeface="+mn-cs"/>
+              </a:defRPr>
+            </a:lvl7pPr>
+            <a:lvl8pPr marL="1500000" indent="-228600" algn="l" defTabSz="914400" rtl="0" eaLnBrk="1" latinLnBrk="0" hangingPunct="1">
+              <a:lnSpc>
+                <a:spcPct val="90000"/>
+              </a:lnSpc>
+              <a:spcBef>
+                <a:spcPts val="200"/>
+              </a:spcBef>
+              <a:spcAft>
+                <a:spcPts val="400"/>
+              </a:spcAft>
+              <a:buClr>
+                <a:schemeClr val="accent1"/>
+              </a:buClr>
+              <a:buFont typeface="Calibri" pitchFamily="34" charset="0"/>
+              <a:buChar char="◦"/>
+              <a:defRPr sz="1400" kern="1200">
+                <a:solidFill>
+                  <a:schemeClr val="tx1">
+                    <a:lumMod val="75000"/>
+                    <a:lumOff val="25000"/>
+                  </a:schemeClr>
+                </a:solidFill>
+                <a:latin typeface="+mn-lt"/>
+                <a:ea typeface="+mn-ea"/>
+                <a:cs typeface="+mn-cs"/>
+              </a:defRPr>
+            </a:lvl8pPr>
+            <a:lvl9pPr marL="1700000" indent="-228600" algn="l" defTabSz="914400" rtl="0" eaLnBrk="1" latinLnBrk="0" hangingPunct="1">
+              <a:lnSpc>
+                <a:spcPct val="90000"/>
+              </a:lnSpc>
+              <a:spcBef>
+                <a:spcPts val="200"/>
+              </a:spcBef>
+              <a:spcAft>
+                <a:spcPts val="400"/>
+              </a:spcAft>
+              <a:buClr>
+                <a:schemeClr val="accent1"/>
+              </a:buClr>
+              <a:buFont typeface="Calibri" pitchFamily="34" charset="0"/>
+              <a:buChar char="◦"/>
+              <a:defRPr sz="1400" kern="1200">
+                <a:solidFill>
+                  <a:schemeClr val="tx1">
+                    <a:lumMod val="75000"/>
+                    <a:lumOff val="25000"/>
+                  </a:schemeClr>
+                </a:solidFill>
+                <a:latin typeface="+mn-lt"/>
+                <a:ea typeface="+mn-ea"/>
+                <a:cs typeface="+mn-cs"/>
+              </a:defRPr>
+            </a:lvl9pPr>
+          </a:lstStyle>
+          <a:p>
+            <a:pPr lvl="1" defTabSz="914400">
               <a:buFont typeface="Arial" panose="020B0604020202020204" pitchFamily="34" charset="0"/>
               <a:buChar char="•"/>
             </a:pPr>
+            <a:r>
+              <a:rPr lang="en-US" altLang="en-US" sz="2400" dirty="0" smtClean="0">
+                <a:solidFill>
+                  <a:schemeClr val="tx1"/>
+                </a:solidFill>
+              </a:rPr>
+              <a:t>Increase the number of manual annotation instances</a:t>
+            </a:r>
+          </a:p>
+          <a:p>
+            <a:pPr lvl="1" defTabSz="914400">
+              <a:buFont typeface="Arial" panose="020B0604020202020204" pitchFamily="34" charset="0"/>
+              <a:buChar char="•"/>
+            </a:pPr>
+            <a:r>
+              <a:rPr lang="en-US" altLang="en-US" sz="2400" dirty="0" smtClean="0">
+                <a:solidFill>
+                  <a:schemeClr val="tx1"/>
+                </a:solidFill>
+              </a:rPr>
+              <a:t>Explore changes from ST to DST (March 8</a:t>
+            </a:r>
+            <a:r>
+              <a:rPr lang="en-US" altLang="en-US" sz="2400" baseline="30000" dirty="0" smtClean="0">
+                <a:solidFill>
+                  <a:schemeClr val="tx1"/>
+                </a:solidFill>
+              </a:rPr>
+              <a:t>th</a:t>
+            </a:r>
+            <a:r>
+              <a:rPr lang="en-US" altLang="en-US" sz="2400" dirty="0" smtClean="0">
+                <a:solidFill>
+                  <a:schemeClr val="tx1"/>
+                </a:solidFill>
+              </a:rPr>
+              <a:t> 2020)</a:t>
+            </a:r>
+          </a:p>
+          <a:p>
+            <a:pPr lvl="1" defTabSz="914400">
+              <a:buFont typeface="Arial" panose="020B0604020202020204" pitchFamily="34" charset="0"/>
+              <a:buChar char="•"/>
+            </a:pPr>
+            <a:r>
+              <a:rPr lang="en-US" altLang="en-US" sz="2400" dirty="0" smtClean="0">
+                <a:solidFill>
+                  <a:schemeClr val="tx1"/>
+                </a:solidFill>
+              </a:rPr>
+              <a:t>Distances from time zone boundaries</a:t>
+            </a:r>
+          </a:p>
+          <a:p>
+            <a:pPr lvl="1" defTabSz="914400">
+              <a:buFont typeface="Arial" panose="020B0604020202020204" pitchFamily="34" charset="0"/>
+              <a:buChar char="•"/>
+            </a:pPr>
+            <a:r>
+              <a:rPr lang="en-US" altLang="en-US" sz="2400" dirty="0" smtClean="0">
+                <a:solidFill>
+                  <a:schemeClr val="tx1"/>
+                </a:solidFill>
+              </a:rPr>
+              <a:t>Look at data from other countries and languages</a:t>
+            </a:r>
             <a:endParaRPr lang="en-US" altLang="en-US" sz="2400" dirty="0" smtClean="0">
               <a:solidFill>
                 <a:schemeClr val="tx1"/>
@@ -10786,9 +11272,124 @@
   <p:timing>
     <p:tnLst>
       <p:par>
-        <p:cTn id="1" dur="indefinite" restart="never" nodeType="tmRoot"/>
+        <p:cTn id="1" dur="indefinite" restart="never" nodeType="tmRoot">
+          <p:childTnLst>
+            <p:seq concurrent="1" nextAc="seek">
+              <p:cTn id="2" dur="indefinite" nodeType="mainSeq">
+                <p:childTnLst>
+                  <p:par>
+                    <p:cTn id="3" fill="hold">
+                      <p:stCondLst>
+                        <p:cond delay="indefinite"/>
+                      </p:stCondLst>
+                      <p:childTnLst>
+                        <p:par>
+                          <p:cTn id="4" fill="hold">
+                            <p:stCondLst>
+                              <p:cond delay="0"/>
+                            </p:stCondLst>
+                            <p:childTnLst>
+                              <p:par>
+                                <p:cTn id="5" presetID="10" presetClass="entr" presetSubtype="0" fill="hold" grpId="0" nodeType="clickEffect">
+                                  <p:stCondLst>
+                                    <p:cond delay="0"/>
+                                  </p:stCondLst>
+                                  <p:childTnLst>
+                                    <p:set>
+                                      <p:cBhvr>
+                                        <p:cTn id="6" dur="1" fill="hold">
+                                          <p:stCondLst>
+                                            <p:cond delay="0"/>
+                                          </p:stCondLst>
+                                        </p:cTn>
+                                        <p:tgtEl>
+                                          <p:spTgt spid="4"/>
+                                        </p:tgtEl>
+                                        <p:attrNameLst>
+                                          <p:attrName>style.visibility</p:attrName>
+                                        </p:attrNameLst>
+                                      </p:cBhvr>
+                                      <p:to>
+                                        <p:strVal val="visible"/>
+                                      </p:to>
+                                    </p:set>
+                                    <p:animEffect transition="in" filter="fade">
+                                      <p:cBhvr>
+                                        <p:cTn id="7" dur="500"/>
+                                        <p:tgtEl>
+                                          <p:spTgt spid="4"/>
+                                        </p:tgtEl>
+                                      </p:cBhvr>
+                                    </p:animEffect>
+                                  </p:childTnLst>
+                                </p:cTn>
+                              </p:par>
+                              <p:par>
+                                <p:cTn id="8" presetID="10" presetClass="entr" presetSubtype="0" fill="hold" grpId="0" nodeType="withEffect">
+                                  <p:stCondLst>
+                                    <p:cond delay="0"/>
+                                  </p:stCondLst>
+                                  <p:childTnLst>
+                                    <p:set>
+                                      <p:cBhvr>
+                                        <p:cTn id="9" dur="1" fill="hold">
+                                          <p:stCondLst>
+                                            <p:cond delay="0"/>
+                                          </p:stCondLst>
+                                        </p:cTn>
+                                        <p:tgtEl>
+                                          <p:spTgt spid="5"/>
+                                        </p:tgtEl>
+                                        <p:attrNameLst>
+                                          <p:attrName>style.visibility</p:attrName>
+                                        </p:attrNameLst>
+                                      </p:cBhvr>
+                                      <p:to>
+                                        <p:strVal val="visible"/>
+                                      </p:to>
+                                    </p:set>
+                                    <p:animEffect transition="in" filter="fade">
+                                      <p:cBhvr>
+                                        <p:cTn id="10" dur="500"/>
+                                        <p:tgtEl>
+                                          <p:spTgt spid="5"/>
+                                        </p:tgtEl>
+                                      </p:cBhvr>
+                                    </p:animEffect>
+                                  </p:childTnLst>
+                                </p:cTn>
+                              </p:par>
+                            </p:childTnLst>
+                          </p:cTn>
+                        </p:par>
+                      </p:childTnLst>
+                    </p:cTn>
+                  </p:par>
+                </p:childTnLst>
+              </p:cTn>
+              <p:prevCondLst>
+                <p:cond evt="onPrev" delay="0">
+                  <p:tgtEl>
+                    <p:sldTgt/>
+                  </p:tgtEl>
+                </p:cond>
+              </p:prevCondLst>
+              <p:nextCondLst>
+                <p:cond evt="onNext" delay="0">
+                  <p:tgtEl>
+                    <p:sldTgt/>
+                  </p:tgtEl>
+                </p:cond>
+              </p:nextCondLst>
+            </p:seq>
+          </p:childTnLst>
+        </p:cTn>
       </p:par>
     </p:tnLst>
+    <p:bldLst>
+      <p:bldP spid="4" grpId="0"/>
+      <p:bldP spid="5" grpId="0"/>
+    </p:bldLst>
   </p:timing>
 </p:sld>
 </file>
@@ -11491,11 +12092,6 @@
               </a:rPr>
               <a:t>Are Daylight Saving Time Changes Bad for the Brain?</a:t>
             </a:r>
-            <a:endParaRPr lang="en-US" sz="3600" dirty="0">
-              <a:solidFill>
-                <a:schemeClr val="tx1"/>
-              </a:solidFill>
-            </a:endParaRPr>
           </a:p>
         </p:txBody>
       </p:sp>
@@ -15060,11 +15656,6 @@
               </a:rPr>
               <a:t>0001f62a</a:t>
             </a:r>
-            <a:endParaRPr lang="en-US" altLang="en-US" sz="2400" dirty="0" smtClean="0">
-              <a:solidFill>
-                <a:schemeClr val="tx1"/>
-              </a:solidFill>
-            </a:endParaRPr>
           </a:p>
           <a:p>
             <a:pPr lvl="1">
@@ -15509,11 +16100,6 @@
               </a:rPr>
               <a:t> features showed best classification performance</a:t>
             </a:r>
-            <a:endParaRPr lang="en-US" altLang="en-US" sz="2400" dirty="0" smtClean="0">
-              <a:solidFill>
-                <a:schemeClr val="tx1"/>
-              </a:solidFill>
-            </a:endParaRPr>
           </a:p>
         </p:txBody>
       </p:sp>
@@ -15949,11 +16535,6 @@
               </a:rPr>
               <a:t>Breakdown by tweet reporting sleep complaints, based on trained classifier:</a:t>
             </a:r>
-            <a:endParaRPr lang="en-US" altLang="en-US" sz="2400" dirty="0" smtClean="0">
-              <a:solidFill>
-                <a:schemeClr val="tx1"/>
-              </a:solidFill>
-            </a:endParaRPr>
           </a:p>
           <a:p>
             <a:pPr lvl="1">
